--- a/Dozentenampel.pptx
+++ b/Dozentenampel.pptx
@@ -328,7 +328,7 @@
               </a14:hiddenEffects>
             </a:ext>
             <a:ext uri="{FAA26D3D-D897-4be2-8F04-BA451C77F1D7}">
-              <ma14:placeholderFlag xmlns="" xmlns:ma14="http://schemas.microsoft.com/office/mac/drawingml/2011/main" val="1"/>
+              <ma14:placeholderFlag xmlns:ma14="http://schemas.microsoft.com/office/mac/drawingml/2011/main" xmlns="" val="1"/>
             </a:ext>
           </a:extLst>
         </p:spPr>
@@ -410,7 +410,7 @@
               </a14:hiddenEffects>
             </a:ext>
             <a:ext uri="{FAA26D3D-D897-4be2-8F04-BA451C77F1D7}">
-              <ma14:placeholderFlag xmlns="" xmlns:ma14="http://schemas.microsoft.com/office/mac/drawingml/2011/main" val="1"/>
+              <ma14:placeholderFlag xmlns:ma14="http://schemas.microsoft.com/office/mac/drawingml/2011/main" xmlns="" val="1"/>
             </a:ext>
           </a:extLst>
         </p:spPr>
@@ -492,7 +492,7 @@
               </a14:hiddenEffects>
             </a:ext>
             <a:ext uri="{FAA26D3D-D897-4be2-8F04-BA451C77F1D7}">
-              <ma14:placeholderFlag xmlns="" xmlns:ma14="http://schemas.microsoft.com/office/mac/drawingml/2011/main" val="1"/>
+              <ma14:placeholderFlag xmlns:ma14="http://schemas.microsoft.com/office/mac/drawingml/2011/main" xmlns="" val="1"/>
             </a:ext>
           </a:extLst>
         </p:spPr>
@@ -574,7 +574,7 @@
               </a14:hiddenEffects>
             </a:ext>
             <a:ext uri="{FAA26D3D-D897-4be2-8F04-BA451C77F1D7}">
-              <ma14:placeholderFlag xmlns="" xmlns:ma14="http://schemas.microsoft.com/office/mac/drawingml/2011/main" val="1"/>
+              <ma14:placeholderFlag xmlns:ma14="http://schemas.microsoft.com/office/mac/drawingml/2011/main" xmlns="" val="1"/>
             </a:ext>
           </a:extLst>
         </p:spPr>
@@ -739,7 +739,7 @@
               </a14:hiddenEffects>
             </a:ext>
             <a:ext uri="{FAA26D3D-D897-4be2-8F04-BA451C77F1D7}">
-              <ma14:placeholderFlag xmlns="" xmlns:ma14="http://schemas.microsoft.com/office/mac/drawingml/2011/main" val="1"/>
+              <ma14:placeholderFlag xmlns:ma14="http://schemas.microsoft.com/office/mac/drawingml/2011/main" xmlns="" val="1"/>
             </a:ext>
           </a:extLst>
         </p:spPr>
@@ -4518,7 +4518,7 @@
               </a14:hiddenEffects>
             </a:ext>
             <a:ext uri="{FAA26D3D-D897-4be2-8F04-BA451C77F1D7}">
-              <ma14:placeholderFlag xmlns="" xmlns:ma14="http://schemas.microsoft.com/office/mac/drawingml/2011/main" val="1"/>
+              <ma14:placeholderFlag xmlns:ma14="http://schemas.microsoft.com/office/mac/drawingml/2011/main" xmlns="" val="1"/>
             </a:ext>
           </a:extLst>
         </p:spPr>
@@ -5027,7 +5027,7 @@
               </a14:hiddenEffects>
             </a:ext>
             <a:ext uri="{FAA26D3D-D897-4be2-8F04-BA451C77F1D7}">
-              <ma14:placeholderFlag xmlns="" xmlns:ma14="http://schemas.microsoft.com/office/mac/drawingml/2011/main" val="1"/>
+              <ma14:placeholderFlag xmlns:ma14="http://schemas.microsoft.com/office/mac/drawingml/2011/main" xmlns="" val="1"/>
             </a:ext>
           </a:extLst>
         </p:spPr>
@@ -6715,36 +6715,114 @@
           </a:p>
         </p:txBody>
       </p:sp>
-      <p:sp>
-        <p:nvSpPr>
-          <p:cNvPr id="6" name="Inhaltsplatzhalter 5">
+      <p:pic>
+        <p:nvPicPr>
+          <p:cNvPr id="4" name="Grafik 3">
             <a:extLst>
               <a:ext uri="{FF2B5EF4-FFF2-40B4-BE49-F238E27FC236}">
-                <a16:creationId xmlns:a16="http://schemas.microsoft.com/office/drawing/2014/main" id="{CE0B2CF7-3197-F44E-8B38-4DB5F729A6F4}"/>
+                <a16:creationId xmlns:a16="http://schemas.microsoft.com/office/drawing/2014/main" id="{6A85FF34-C0EC-4E7A-AD27-4BF920C80B9F}"/>
               </a:ext>
             </a:extLst>
           </p:cNvPr>
-          <p:cNvSpPr>
-            <a:spLocks noGrp="1"/>
-          </p:cNvSpPr>
-          <p:nvPr>
-            <p:ph idx="1"/>
-          </p:nvPr>
-        </p:nvSpPr>
+          <p:cNvPicPr>
+            <a:picLocks noChangeAspect="1"/>
+          </p:cNvPicPr>
+          <p:nvPr/>
+        </p:nvPicPr>
+        <p:blipFill>
+          <a:blip r:embed="rId3">
+            <a:extLst>
+              <a:ext uri="{96DAC541-7B7A-43D3-8B79-37D633B846F1}">
+                <asvg:svgBlip xmlns:asvg="http://schemas.microsoft.com/office/drawing/2016/SVG/main" r:embed="rId4"/>
+              </a:ext>
+            </a:extLst>
+          </a:blip>
+          <a:stretch>
+            <a:fillRect/>
+          </a:stretch>
+        </p:blipFill>
         <p:spPr>
           <a:xfrm>
-            <a:off x="611560" y="1916832"/>
-            <a:ext cx="7704856" cy="3744416"/>
+            <a:off x="251520" y="4221088"/>
+            <a:ext cx="3172924" cy="2016224"/>
           </a:xfrm>
+          <a:prstGeom prst="rect">
+            <a:avLst/>
+          </a:prstGeom>
         </p:spPr>
-        <p:txBody>
-          <a:bodyPr/>
-          <a:lstStyle/>
-          <a:p>
-            <a:endParaRPr lang="de-DE" dirty="0"/>
-          </a:p>
-        </p:txBody>
-      </p:sp>
+      </p:pic>
+      <p:pic>
+        <p:nvPicPr>
+          <p:cNvPr id="9" name="Grafik 8">
+            <a:extLst>
+              <a:ext uri="{FF2B5EF4-FFF2-40B4-BE49-F238E27FC236}">
+                <a16:creationId xmlns:a16="http://schemas.microsoft.com/office/drawing/2014/main" id="{96EB13D4-6752-47BD-A1F7-493D27175E4E}"/>
+              </a:ext>
+            </a:extLst>
+          </p:cNvPr>
+          <p:cNvPicPr>
+            <a:picLocks noChangeAspect="1"/>
+          </p:cNvPicPr>
+          <p:nvPr/>
+        </p:nvPicPr>
+        <p:blipFill>
+          <a:blip r:embed="rId5">
+            <a:extLst>
+              <a:ext uri="{96DAC541-7B7A-43D3-8B79-37D633B846F1}">
+                <asvg:svgBlip xmlns:asvg="http://schemas.microsoft.com/office/drawing/2016/SVG/main" r:embed="rId6"/>
+              </a:ext>
+            </a:extLst>
+          </a:blip>
+          <a:stretch>
+            <a:fillRect/>
+          </a:stretch>
+        </p:blipFill>
+        <p:spPr>
+          <a:xfrm>
+            <a:off x="251520" y="1887092"/>
+            <a:ext cx="3172924" cy="2016224"/>
+          </a:xfrm>
+          <a:prstGeom prst="rect">
+            <a:avLst/>
+          </a:prstGeom>
+        </p:spPr>
+      </p:pic>
+      <p:pic>
+        <p:nvPicPr>
+          <p:cNvPr id="11" name="Grafik 10">
+            <a:extLst>
+              <a:ext uri="{FF2B5EF4-FFF2-40B4-BE49-F238E27FC236}">
+                <a16:creationId xmlns:a16="http://schemas.microsoft.com/office/drawing/2014/main" id="{C7813049-9893-43F0-9CEB-52763A021725}"/>
+              </a:ext>
+            </a:extLst>
+          </p:cNvPr>
+          <p:cNvPicPr>
+            <a:picLocks noChangeAspect="1"/>
+          </p:cNvPicPr>
+          <p:nvPr/>
+        </p:nvPicPr>
+        <p:blipFill>
+          <a:blip r:embed="rId7">
+            <a:extLst>
+              <a:ext uri="{96DAC541-7B7A-43D3-8B79-37D633B846F1}">
+                <asvg:svgBlip xmlns:asvg="http://schemas.microsoft.com/office/drawing/2016/SVG/main" r:embed="rId8"/>
+              </a:ext>
+            </a:extLst>
+          </a:blip>
+          <a:stretch>
+            <a:fillRect/>
+          </a:stretch>
+        </p:blipFill>
+        <p:spPr>
+          <a:xfrm>
+            <a:off x="3563888" y="2187456"/>
+            <a:ext cx="5463199" cy="3471572"/>
+          </a:xfrm>
+          <a:prstGeom prst="rect">
+            <a:avLst/>
+          </a:prstGeom>
+        </p:spPr>
+      </p:pic>
     </p:spTree>
     <p:extLst>
       <p:ext uri="{BB962C8B-B14F-4D97-AF65-F5344CB8AC3E}">
